--- a/examples/pp_long_demo.pptx
+++ b/examples/pp_long_demo.pptx
@@ -5,10 +5,10 @@
     <p:sldMasterId id="2147483648" r:id="rId1"/>
   </p:sldMasterIdLst>
   <p:sldIdLst>
-    <p:sldId id="1955514147" r:id="rId6"/>
-    <p:sldId id="577856494" r:id="rId7"/>
-    <p:sldId id="615417749" r:id="rId8"/>
-    <p:sldId id="4652018" r:id="rId9"/>
+    <p:sldId id="295626686" r:id="rId6"/>
+    <p:sldId id="1803836348" r:id="rId7"/>
+    <p:sldId id="1276584223" r:id="rId8"/>
+    <p:sldId id="1884221963" r:id="rId9"/>
   </p:sldIdLst>
   <p:sldSz cx="12192000" cy="6858000"/>
   <p:notesSz cx="6858000" cy="9144000"/>
@@ -9208,7 +9208,7 @@
           <a:p>
             <a:r>
               <a:rPr/>
-              <a:t>2014-11-19</a:t>
+              <a:t>2014-12-09</a:t>
             </a:r>
           </a:p>
         </p:txBody>
@@ -9333,7 +9333,7 @@
                       </a:r>
                     </a:p>
                   </a:txBody>
-                  <a:tcPr marL="12700" marR="12700" marT="12700" marB="12700" anchor="ctr">
+                  <a:tcPr anchor="ctr">
                     <a:lnL w="12700">
                       <a:solidFill>
                         <a:srgbClr val="EDBD3E"/>
@@ -9390,7 +9390,7 @@
                       </a:r>
                     </a:p>
                   </a:txBody>
-                  <a:tcPr marL="12700" marR="12700" marT="12700" marB="12700" anchor="ctr">
+                  <a:tcPr anchor="ctr">
                     <a:lnL w="12700">
                       <a:solidFill>
                         <a:srgbClr val="EDBD3E"/>
@@ -9447,7 +9447,7 @@
                       </a:r>
                     </a:p>
                   </a:txBody>
-                  <a:tcPr marL="12700" marR="12700" marT="12700" marB="12700" anchor="ctr">
+                  <a:tcPr anchor="ctr">
                     <a:lnL w="12700">
                       <a:solidFill>
                         <a:srgbClr val="EDBD3E"/>
@@ -9504,7 +9504,7 @@
                       </a:r>
                     </a:p>
                   </a:txBody>
-                  <a:tcPr marL="12700" marR="12700" marT="12700" marB="12700" anchor="ctr">
+                  <a:tcPr anchor="ctr">
                     <a:lnL w="12700">
                       <a:solidFill>
                         <a:srgbClr val="EDBD3E"/>
@@ -9561,7 +9561,7 @@
                       </a:r>
                     </a:p>
                   </a:txBody>
-                  <a:tcPr marL="12700" marR="12700" marT="12700" marB="12700" anchor="ctr">
+                  <a:tcPr anchor="ctr">
                     <a:lnL w="12700">
                       <a:solidFill>
                         <a:srgbClr val="EDBD3E"/>
@@ -9618,7 +9618,7 @@
                       </a:r>
                     </a:p>
                   </a:txBody>
-                  <a:tcPr marL="12700" marR="12700" marT="12700" marB="12700" anchor="ctr">
+                  <a:tcPr anchor="ctr">
                     <a:lnL w="12700">
                       <a:solidFill>
                         <a:srgbClr val="EDBD3E"/>
@@ -9675,7 +9675,7 @@
                       </a:r>
                     </a:p>
                   </a:txBody>
-                  <a:tcPr marL="12700" marR="12700" marT="12700" marB="12700" anchor="ctr">
+                  <a:tcPr anchor="ctr">
                     <a:lnL w="12700">
                       <a:solidFill>
                         <a:srgbClr val="EDBD3E"/>
@@ -9732,7 +9732,7 @@
                       </a:r>
                     </a:p>
                   </a:txBody>
-                  <a:tcPr marL="12700" marR="12700" marT="12700" marB="12700" anchor="ctr">
+                  <a:tcPr anchor="ctr">
                     <a:lnL w="12700">
                       <a:solidFill>
                         <a:srgbClr val="EDBD3E"/>
@@ -9789,7 +9789,7 @@
                       </a:r>
                     </a:p>
                   </a:txBody>
-                  <a:tcPr marL="12700" marR="12700" marT="12700" marB="12700" anchor="ctr">
+                  <a:tcPr anchor="ctr">
                     <a:lnL w="12700">
                       <a:solidFill>
                         <a:srgbClr val="EDBD3E"/>
@@ -9846,7 +9846,7 @@
                       </a:r>
                     </a:p>
                   </a:txBody>
-                  <a:tcPr marL="12700" marR="12700" marT="12700" marB="12700" anchor="ctr">
+                  <a:tcPr anchor="ctr">
                     <a:lnL w="12700">
                       <a:solidFill>
                         <a:srgbClr val="EDBD3E"/>
@@ -9903,7 +9903,7 @@
                       </a:r>
                     </a:p>
                   </a:txBody>
-                  <a:tcPr marL="12700" marR="12700" marT="12700" marB="12700" anchor="ctr">
+                  <a:tcPr anchor="ctr">
                     <a:lnL w="12700">
                       <a:solidFill>
                         <a:srgbClr val="EDBD3E"/>
@@ -9960,7 +9960,7 @@
                       </a:r>
                     </a:p>
                   </a:txBody>
-                  <a:tcPr marL="12700" marR="12700" marT="12700" marB="12700" anchor="ctr">
+                  <a:tcPr anchor="ctr">
                     <a:lnL w="12700">
                       <a:solidFill>
                         <a:srgbClr val="EDBD3E"/>
@@ -10030,7 +10030,7 @@
                       </a:r>
                     </a:p>
                   </a:txBody>
-                  <a:tcPr marL="12700" marR="12700" marT="12700" marB="12700" anchor="ctr">
+                  <a:tcPr anchor="ctr">
                     <a:lnL w="12700">
                       <a:solidFill>
                         <a:srgbClr val="EDBD3E"/>
@@ -10099,7 +10099,7 @@
                       </a:r>
                     </a:p>
                   </a:txBody>
-                  <a:tcPr marL="12700" marR="12700" marT="12700" marB="12700" anchor="ctr">
+                  <a:tcPr anchor="ctr">
                     <a:lnL w="12700">
                       <a:solidFill>
                         <a:srgbClr val="EDBD3E"/>
@@ -10168,7 +10168,7 @@
                       </a:r>
                     </a:p>
                   </a:txBody>
-                  <a:tcPr marL="12700" marR="12700" marT="12700" marB="12700" anchor="ctr">
+                  <a:tcPr anchor="ctr">
                     <a:lnL w="12700">
                       <a:solidFill>
                         <a:srgbClr val="EDBD3E"/>
@@ -10237,7 +10237,7 @@
                       </a:r>
                     </a:p>
                   </a:txBody>
-                  <a:tcPr marL="12700" marR="12700" marT="12700" marB="12700" anchor="ctr">
+                  <a:tcPr anchor="ctr">
                     <a:lnL w="12700">
                       <a:solidFill>
                         <a:srgbClr val="EDBD3E"/>
@@ -10306,7 +10306,7 @@
                       </a:r>
                     </a:p>
                   </a:txBody>
-                  <a:tcPr marL="12700" marR="12700" marT="12700" marB="12700" anchor="ctr">
+                  <a:tcPr anchor="ctr">
                     <a:lnL w="12700">
                       <a:solidFill>
                         <a:srgbClr val="EDBD3E"/>
@@ -10375,7 +10375,7 @@
                       </a:r>
                     </a:p>
                   </a:txBody>
-                  <a:tcPr marL="12700" marR="12700" marT="12700" marB="12700" anchor="ctr">
+                  <a:tcPr anchor="ctr">
                     <a:lnL w="12700">
                       <a:solidFill>
                         <a:srgbClr val="EDBD3E"/>
@@ -10444,7 +10444,7 @@
                       </a:r>
                     </a:p>
                   </a:txBody>
-                  <a:tcPr marL="12700" marR="12700" marT="12700" marB="12700" anchor="ctr">
+                  <a:tcPr anchor="ctr">
                     <a:lnL w="12700">
                       <a:solidFill>
                         <a:srgbClr val="EDBD3E"/>
@@ -10513,7 +10513,7 @@
                       </a:r>
                     </a:p>
                   </a:txBody>
-                  <a:tcPr marL="12700" marR="12700" marT="12700" marB="12700" anchor="ctr">
+                  <a:tcPr anchor="ctr">
                     <a:lnL w="12700">
                       <a:solidFill>
                         <a:srgbClr val="EDBD3E"/>
@@ -10582,7 +10582,7 @@
                       </a:r>
                     </a:p>
                   </a:txBody>
-                  <a:tcPr marL="12700" marR="12700" marT="12700" marB="12700" anchor="ctr">
+                  <a:tcPr anchor="ctr">
                     <a:lnL w="12700">
                       <a:solidFill>
                         <a:srgbClr val="EDBD3E"/>
@@ -10651,7 +10651,7 @@
                       </a:r>
                     </a:p>
                   </a:txBody>
-                  <a:tcPr marL="12700" marR="12700" marT="12700" marB="12700" anchor="ctr">
+                  <a:tcPr anchor="ctr">
                     <a:lnL w="12700">
                       <a:solidFill>
                         <a:srgbClr val="EDBD3E"/>
@@ -10720,7 +10720,7 @@
                       </a:r>
                     </a:p>
                   </a:txBody>
-                  <a:tcPr marL="12700" marR="12700" marT="12700" marB="12700" anchor="ctr">
+                  <a:tcPr anchor="ctr">
                     <a:lnL w="12700">
                       <a:solidFill>
                         <a:srgbClr val="EDBD3E"/>
@@ -10789,7 +10789,7 @@
                       </a:r>
                     </a:p>
                   </a:txBody>
-                  <a:tcPr marL="12700" marR="12700" marT="12700" marB="12700" anchor="ctr">
+                  <a:tcPr anchor="ctr">
                     <a:lnL w="12700">
                       <a:solidFill>
                         <a:srgbClr val="EDBD3E"/>
@@ -10860,7 +10860,7 @@
                       </a:r>
                     </a:p>
                   </a:txBody>
-                  <a:tcPr marL="12700" marR="12700" marT="12700" marB="12700" anchor="ctr">
+                  <a:tcPr anchor="ctr">
                     <a:lnL w="12700">
                       <a:solidFill>
                         <a:srgbClr val="EDBD3E"/>
@@ -10930,7 +10930,7 @@
                       </a:r>
                     </a:p>
                   </a:txBody>
-                  <a:tcPr marL="12700" marR="12700" marT="12700" marB="12700" anchor="ctr">
+                  <a:tcPr anchor="ctr">
                     <a:lnL w="12700">
                       <a:solidFill>
                         <a:srgbClr val="EDBD3E"/>
@@ -11000,7 +11000,7 @@
                       </a:r>
                     </a:p>
                   </a:txBody>
-                  <a:tcPr marL="12700" marR="12700" marT="12700" marB="12700" anchor="ctr">
+                  <a:tcPr anchor="ctr">
                     <a:lnL w="12700">
                       <a:solidFill>
                         <a:srgbClr val="EDBD3E"/>
@@ -11070,7 +11070,7 @@
                       </a:r>
                     </a:p>
                   </a:txBody>
-                  <a:tcPr marL="12700" marR="12700" marT="12700" marB="12700" anchor="ctr">
+                  <a:tcPr anchor="ctr">
                     <a:lnL w="12700">
                       <a:solidFill>
                         <a:srgbClr val="EDBD3E"/>
@@ -11140,7 +11140,7 @@
                       </a:r>
                     </a:p>
                   </a:txBody>
-                  <a:tcPr marL="12700" marR="12700" marT="12700" marB="12700" anchor="ctr">
+                  <a:tcPr anchor="ctr">
                     <a:lnL w="12700">
                       <a:solidFill>
                         <a:srgbClr val="EDBD3E"/>
@@ -11210,7 +11210,7 @@
                       </a:r>
                     </a:p>
                   </a:txBody>
-                  <a:tcPr marL="12700" marR="12700" marT="12700" marB="12700" anchor="ctr">
+                  <a:tcPr anchor="ctr">
                     <a:lnL w="12700">
                       <a:solidFill>
                         <a:srgbClr val="EDBD3E"/>
@@ -11280,7 +11280,7 @@
                       </a:r>
                     </a:p>
                   </a:txBody>
-                  <a:tcPr marL="12700" marR="12700" marT="12700" marB="12700" anchor="ctr">
+                  <a:tcPr anchor="ctr">
                     <a:lnL w="12700">
                       <a:solidFill>
                         <a:srgbClr val="EDBD3E"/>
@@ -11350,7 +11350,7 @@
                       </a:r>
                     </a:p>
                   </a:txBody>
-                  <a:tcPr marL="12700" marR="12700" marT="12700" marB="12700" anchor="ctr">
+                  <a:tcPr anchor="ctr">
                     <a:lnL w="12700">
                       <a:solidFill>
                         <a:srgbClr val="EDBD3E"/>
@@ -11420,7 +11420,7 @@
                       </a:r>
                     </a:p>
                   </a:txBody>
-                  <a:tcPr marL="12700" marR="12700" marT="12700" marB="12700" anchor="ctr">
+                  <a:tcPr anchor="ctr">
                     <a:lnL w="12700">
                       <a:solidFill>
                         <a:srgbClr val="EDBD3E"/>
@@ -11490,7 +11490,7 @@
                       </a:r>
                     </a:p>
                   </a:txBody>
-                  <a:tcPr marL="12700" marR="12700" marT="12700" marB="12700" anchor="ctr">
+                  <a:tcPr anchor="ctr">
                     <a:lnL w="12700">
                       <a:solidFill>
                         <a:srgbClr val="EDBD3E"/>
@@ -11560,7 +11560,7 @@
                       </a:r>
                     </a:p>
                   </a:txBody>
-                  <a:tcPr marL="12700" marR="12700" marT="12700" marB="12700" anchor="ctr">
+                  <a:tcPr anchor="ctr">
                     <a:lnL w="12700">
                       <a:solidFill>
                         <a:srgbClr val="EDBD3E"/>
@@ -11630,7 +11630,7 @@
                       </a:r>
                     </a:p>
                   </a:txBody>
-                  <a:tcPr marL="12700" marR="12700" marT="12700" marB="12700" anchor="ctr">
+                  <a:tcPr anchor="ctr">
                     <a:lnL w="12700">
                       <a:solidFill>
                         <a:srgbClr val="EDBD3E"/>
@@ -11702,7 +11702,7 @@
                       </a:r>
                     </a:p>
                   </a:txBody>
-                  <a:tcPr marL="12700" marR="12700" marT="12700" marB="12700" anchor="ctr">
+                  <a:tcPr anchor="ctr">
                     <a:lnL w="12700">
                       <a:solidFill>
                         <a:srgbClr val="EDBD3E"/>
@@ -11772,7 +11772,7 @@
                       </a:r>
                     </a:p>
                   </a:txBody>
-                  <a:tcPr marL="12700" marR="12700" marT="12700" marB="12700" anchor="ctr">
+                  <a:tcPr anchor="ctr">
                     <a:lnL w="12700">
                       <a:solidFill>
                         <a:srgbClr val="EDBD3E"/>
@@ -11842,7 +11842,7 @@
                       </a:r>
                     </a:p>
                   </a:txBody>
-                  <a:tcPr marL="12700" marR="12700" marT="12700" marB="12700" anchor="ctr">
+                  <a:tcPr anchor="ctr">
                     <a:lnL w="12700">
                       <a:solidFill>
                         <a:srgbClr val="EDBD3E"/>
@@ -11912,7 +11912,7 @@
                       </a:r>
                     </a:p>
                   </a:txBody>
-                  <a:tcPr marL="12700" marR="12700" marT="12700" marB="12700" anchor="ctr">
+                  <a:tcPr anchor="ctr">
                     <a:lnL w="12700">
                       <a:solidFill>
                         <a:srgbClr val="EDBD3E"/>
@@ -11982,7 +11982,7 @@
                       </a:r>
                     </a:p>
                   </a:txBody>
-                  <a:tcPr marL="12700" marR="12700" marT="12700" marB="12700" anchor="ctr">
+                  <a:tcPr anchor="ctr">
                     <a:lnL w="12700">
                       <a:solidFill>
                         <a:srgbClr val="EDBD3E"/>
@@ -12052,7 +12052,7 @@
                       </a:r>
                     </a:p>
                   </a:txBody>
-                  <a:tcPr marL="12700" marR="12700" marT="12700" marB="12700" anchor="ctr">
+                  <a:tcPr anchor="ctr">
                     <a:lnL w="12700">
                       <a:solidFill>
                         <a:srgbClr val="EDBD3E"/>
@@ -12122,7 +12122,7 @@
                       </a:r>
                     </a:p>
                   </a:txBody>
-                  <a:tcPr marL="12700" marR="12700" marT="12700" marB="12700" anchor="ctr">
+                  <a:tcPr anchor="ctr">
                     <a:lnL w="12700">
                       <a:solidFill>
                         <a:srgbClr val="EDBD3E"/>
@@ -12192,7 +12192,7 @@
                       </a:r>
                     </a:p>
                   </a:txBody>
-                  <a:tcPr marL="12700" marR="12700" marT="12700" marB="12700" anchor="ctr">
+                  <a:tcPr anchor="ctr">
                     <a:lnL w="12700">
                       <a:solidFill>
                         <a:srgbClr val="EDBD3E"/>
@@ -12262,7 +12262,7 @@
                       </a:r>
                     </a:p>
                   </a:txBody>
-                  <a:tcPr marL="12700" marR="12700" marT="12700" marB="12700" anchor="ctr">
+                  <a:tcPr anchor="ctr">
                     <a:lnL w="12700">
                       <a:solidFill>
                         <a:srgbClr val="EDBD3E"/>
@@ -12332,7 +12332,7 @@
                       </a:r>
                     </a:p>
                   </a:txBody>
-                  <a:tcPr marL="12700" marR="12700" marT="12700" marB="12700" anchor="ctr">
+                  <a:tcPr anchor="ctr">
                     <a:lnL w="12700">
                       <a:solidFill>
                         <a:srgbClr val="EDBD3E"/>
@@ -12402,7 +12402,7 @@
                       </a:r>
                     </a:p>
                   </a:txBody>
-                  <a:tcPr marL="12700" marR="12700" marT="12700" marB="12700" anchor="ctr">
+                  <a:tcPr anchor="ctr">
                     <a:lnL w="12700">
                       <a:solidFill>
                         <a:srgbClr val="EDBD3E"/>
@@ -12472,7 +12472,7 @@
                       </a:r>
                     </a:p>
                   </a:txBody>
-                  <a:tcPr marL="12700" marR="12700" marT="12700" marB="12700" anchor="ctr">
+                  <a:tcPr anchor="ctr">
                     <a:lnL w="12700">
                       <a:solidFill>
                         <a:srgbClr val="EDBD3E"/>
@@ -12544,7 +12544,7 @@
                       </a:r>
                     </a:p>
                   </a:txBody>
-                  <a:tcPr marL="12700" marR="12700" marT="12700" marB="12700" anchor="ctr">
+                  <a:tcPr anchor="ctr">
                     <a:lnL w="12700">
                       <a:solidFill>
                         <a:srgbClr val="EDBD3E"/>
@@ -12614,7 +12614,7 @@
                       </a:r>
                     </a:p>
                   </a:txBody>
-                  <a:tcPr marL="12700" marR="12700" marT="12700" marB="12700" anchor="ctr">
+                  <a:tcPr anchor="ctr">
                     <a:lnL w="12700">
                       <a:solidFill>
                         <a:srgbClr val="EDBD3E"/>
@@ -12684,7 +12684,7 @@
                       </a:r>
                     </a:p>
                   </a:txBody>
-                  <a:tcPr marL="12700" marR="12700" marT="12700" marB="12700" anchor="ctr">
+                  <a:tcPr anchor="ctr">
                     <a:lnL w="12700">
                       <a:solidFill>
                         <a:srgbClr val="EDBD3E"/>
@@ -12754,7 +12754,7 @@
                       </a:r>
                     </a:p>
                   </a:txBody>
-                  <a:tcPr marL="12700" marR="12700" marT="12700" marB="12700" anchor="ctr">
+                  <a:tcPr anchor="ctr">
                     <a:lnL w="12700">
                       <a:solidFill>
                         <a:srgbClr val="EDBD3E"/>
@@ -12824,7 +12824,7 @@
                       </a:r>
                     </a:p>
                   </a:txBody>
-                  <a:tcPr marL="12700" marR="12700" marT="12700" marB="12700" anchor="ctr">
+                  <a:tcPr anchor="ctr">
                     <a:lnL w="12700">
                       <a:solidFill>
                         <a:srgbClr val="EDBD3E"/>
@@ -12894,7 +12894,7 @@
                       </a:r>
                     </a:p>
                   </a:txBody>
-                  <a:tcPr marL="12700" marR="12700" marT="12700" marB="12700" anchor="ctr">
+                  <a:tcPr anchor="ctr">
                     <a:lnL w="12700">
                       <a:solidFill>
                         <a:srgbClr val="EDBD3E"/>
@@ -12964,7 +12964,7 @@
                       </a:r>
                     </a:p>
                   </a:txBody>
-                  <a:tcPr marL="12700" marR="12700" marT="12700" marB="12700" anchor="ctr">
+                  <a:tcPr anchor="ctr">
                     <a:lnL w="12700">
                       <a:solidFill>
                         <a:srgbClr val="EDBD3E"/>
@@ -13034,7 +13034,7 @@
                       </a:r>
                     </a:p>
                   </a:txBody>
-                  <a:tcPr marL="12700" marR="12700" marT="12700" marB="12700" anchor="ctr">
+                  <a:tcPr anchor="ctr">
                     <a:lnL w="12700">
                       <a:solidFill>
                         <a:srgbClr val="EDBD3E"/>
@@ -13104,7 +13104,7 @@
                       </a:r>
                     </a:p>
                   </a:txBody>
-                  <a:tcPr marL="12700" marR="12700" marT="12700" marB="12700" anchor="ctr">
+                  <a:tcPr anchor="ctr">
                     <a:lnL w="12700">
                       <a:solidFill>
                         <a:srgbClr val="EDBD3E"/>
@@ -13174,7 +13174,7 @@
                       </a:r>
                     </a:p>
                   </a:txBody>
-                  <a:tcPr marL="12700" marR="12700" marT="12700" marB="12700" anchor="ctr">
+                  <a:tcPr anchor="ctr">
                     <a:lnL w="12700">
                       <a:solidFill>
                         <a:srgbClr val="EDBD3E"/>
@@ -13244,7 +13244,7 @@
                       </a:r>
                     </a:p>
                   </a:txBody>
-                  <a:tcPr marL="12700" marR="12700" marT="12700" marB="12700" anchor="ctr">
+                  <a:tcPr anchor="ctr">
                     <a:lnL w="12700">
                       <a:solidFill>
                         <a:srgbClr val="EDBD3E"/>
@@ -13314,7 +13314,7 @@
                       </a:r>
                     </a:p>
                   </a:txBody>
-                  <a:tcPr marL="12700" marR="12700" marT="12700" marB="12700" anchor="ctr">
+                  <a:tcPr anchor="ctr">
                     <a:lnL w="12700">
                       <a:solidFill>
                         <a:srgbClr val="EDBD3E"/>
@@ -13386,7 +13386,7 @@
                       </a:r>
                     </a:p>
                   </a:txBody>
-                  <a:tcPr marL="12700" marR="12700" marT="12700" marB="12700" anchor="ctr">
+                  <a:tcPr anchor="ctr">
                     <a:lnL w="12700">
                       <a:solidFill>
                         <a:srgbClr val="EDBD3E"/>
@@ -13456,7 +13456,7 @@
                       </a:r>
                     </a:p>
                   </a:txBody>
-                  <a:tcPr marL="12700" marR="12700" marT="12700" marB="12700" anchor="ctr">
+                  <a:tcPr anchor="ctr">
                     <a:lnL w="12700">
                       <a:solidFill>
                         <a:srgbClr val="EDBD3E"/>
@@ -13526,7 +13526,7 @@
                       </a:r>
                     </a:p>
                   </a:txBody>
-                  <a:tcPr marL="12700" marR="12700" marT="12700" marB="12700" anchor="ctr">
+                  <a:tcPr anchor="ctr">
                     <a:lnL w="12700">
                       <a:solidFill>
                         <a:srgbClr val="EDBD3E"/>
@@ -13596,7 +13596,7 @@
                       </a:r>
                     </a:p>
                   </a:txBody>
-                  <a:tcPr marL="12700" marR="12700" marT="12700" marB="12700" anchor="ctr">
+                  <a:tcPr anchor="ctr">
                     <a:lnL w="12700">
                       <a:solidFill>
                         <a:srgbClr val="EDBD3E"/>
@@ -13666,7 +13666,7 @@
                       </a:r>
                     </a:p>
                   </a:txBody>
-                  <a:tcPr marL="12700" marR="12700" marT="12700" marB="12700" anchor="ctr">
+                  <a:tcPr anchor="ctr">
                     <a:lnL w="12700">
                       <a:solidFill>
                         <a:srgbClr val="EDBD3E"/>
@@ -13736,7 +13736,7 @@
                       </a:r>
                     </a:p>
                   </a:txBody>
-                  <a:tcPr marL="12700" marR="12700" marT="12700" marB="12700" anchor="ctr">
+                  <a:tcPr anchor="ctr">
                     <a:lnL w="12700">
                       <a:solidFill>
                         <a:srgbClr val="EDBD3E"/>
@@ -13806,7 +13806,7 @@
                       </a:r>
                     </a:p>
                   </a:txBody>
-                  <a:tcPr marL="12700" marR="12700" marT="12700" marB="12700" anchor="ctr">
+                  <a:tcPr anchor="ctr">
                     <a:lnL w="12700">
                       <a:solidFill>
                         <a:srgbClr val="EDBD3E"/>
@@ -13876,7 +13876,7 @@
                       </a:r>
                     </a:p>
                   </a:txBody>
-                  <a:tcPr marL="12700" marR="12700" marT="12700" marB="12700" anchor="ctr">
+                  <a:tcPr anchor="ctr">
                     <a:lnL w="12700">
                       <a:solidFill>
                         <a:srgbClr val="EDBD3E"/>
@@ -13946,7 +13946,7 @@
                       </a:r>
                     </a:p>
                   </a:txBody>
-                  <a:tcPr marL="12700" marR="12700" marT="12700" marB="12700" anchor="ctr">
+                  <a:tcPr anchor="ctr">
                     <a:lnL w="12700">
                       <a:solidFill>
                         <a:srgbClr val="EDBD3E"/>
@@ -14016,7 +14016,7 @@
                       </a:r>
                     </a:p>
                   </a:txBody>
-                  <a:tcPr marL="12700" marR="12700" marT="12700" marB="12700" anchor="ctr">
+                  <a:tcPr anchor="ctr">
                     <a:lnL w="12700">
                       <a:solidFill>
                         <a:srgbClr val="EDBD3E"/>
@@ -14086,7 +14086,7 @@
                       </a:r>
                     </a:p>
                   </a:txBody>
-                  <a:tcPr marL="12700" marR="12700" marT="12700" marB="12700" anchor="ctr">
+                  <a:tcPr anchor="ctr">
                     <a:lnL w="12700">
                       <a:solidFill>
                         <a:srgbClr val="EDBD3E"/>
@@ -14156,7 +14156,7 @@
                       </a:r>
                     </a:p>
                   </a:txBody>
-                  <a:tcPr marL="12700" marR="12700" marT="12700" marB="12700" anchor="ctr">
+                  <a:tcPr anchor="ctr">
                     <a:lnL w="12700">
                       <a:solidFill>
                         <a:srgbClr val="EDBD3E"/>
@@ -14228,7 +14228,7 @@
                       </a:r>
                     </a:p>
                   </a:txBody>
-                  <a:tcPr marL="12700" marR="12700" marT="12700" marB="12700" anchor="ctr">
+                  <a:tcPr anchor="ctr">
                     <a:lnL w="12700">
                       <a:solidFill>
                         <a:srgbClr val="EDBD3E"/>
@@ -14298,7 +14298,7 @@
                       </a:r>
                     </a:p>
                   </a:txBody>
-                  <a:tcPr marL="12700" marR="12700" marT="12700" marB="12700" anchor="ctr">
+                  <a:tcPr anchor="ctr">
                     <a:lnL w="12700">
                       <a:solidFill>
                         <a:srgbClr val="EDBD3E"/>
@@ -14368,7 +14368,7 @@
                       </a:r>
                     </a:p>
                   </a:txBody>
-                  <a:tcPr marL="12700" marR="12700" marT="12700" marB="12700" anchor="ctr">
+                  <a:tcPr anchor="ctr">
                     <a:lnL w="12700">
                       <a:solidFill>
                         <a:srgbClr val="EDBD3E"/>
@@ -14438,7 +14438,7 @@
                       </a:r>
                     </a:p>
                   </a:txBody>
-                  <a:tcPr marL="12700" marR="12700" marT="12700" marB="12700" anchor="ctr">
+                  <a:tcPr anchor="ctr">
                     <a:lnL w="12700">
                       <a:solidFill>
                         <a:srgbClr val="EDBD3E"/>
@@ -14508,7 +14508,7 @@
                       </a:r>
                     </a:p>
                   </a:txBody>
-                  <a:tcPr marL="12700" marR="12700" marT="12700" marB="12700" anchor="ctr">
+                  <a:tcPr anchor="ctr">
                     <a:lnL w="12700">
                       <a:solidFill>
                         <a:srgbClr val="EDBD3E"/>
@@ -14578,7 +14578,7 @@
                       </a:r>
                     </a:p>
                   </a:txBody>
-                  <a:tcPr marL="12700" marR="12700" marT="12700" marB="12700" anchor="ctr">
+                  <a:tcPr anchor="ctr">
                     <a:lnL w="12700">
                       <a:solidFill>
                         <a:srgbClr val="EDBD3E"/>
@@ -14648,7 +14648,7 @@
                       </a:r>
                     </a:p>
                   </a:txBody>
-                  <a:tcPr marL="12700" marR="12700" marT="12700" marB="12700" anchor="ctr">
+                  <a:tcPr anchor="ctr">
                     <a:lnL w="12700">
                       <a:solidFill>
                         <a:srgbClr val="EDBD3E"/>
@@ -14718,7 +14718,7 @@
                       </a:r>
                     </a:p>
                   </a:txBody>
-                  <a:tcPr marL="12700" marR="12700" marT="12700" marB="12700" anchor="ctr">
+                  <a:tcPr anchor="ctr">
                     <a:lnL w="12700">
                       <a:solidFill>
                         <a:srgbClr val="EDBD3E"/>
@@ -14788,7 +14788,7 @@
                       </a:r>
                     </a:p>
                   </a:txBody>
-                  <a:tcPr marL="12700" marR="12700" marT="12700" marB="12700" anchor="ctr">
+                  <a:tcPr anchor="ctr">
                     <a:lnL w="12700">
                       <a:solidFill>
                         <a:srgbClr val="EDBD3E"/>
@@ -14858,7 +14858,7 @@
                       </a:r>
                     </a:p>
                   </a:txBody>
-                  <a:tcPr marL="12700" marR="12700" marT="12700" marB="12700" anchor="ctr">
+                  <a:tcPr anchor="ctr">
                     <a:lnL w="12700">
                       <a:solidFill>
                         <a:srgbClr val="EDBD3E"/>
@@ -14928,7 +14928,7 @@
                       </a:r>
                     </a:p>
                   </a:txBody>
-                  <a:tcPr marL="12700" marR="12700" marT="12700" marB="12700" anchor="ctr">
+                  <a:tcPr anchor="ctr">
                     <a:lnL w="12700">
                       <a:solidFill>
                         <a:srgbClr val="EDBD3E"/>
@@ -14998,7 +14998,7 @@
                       </a:r>
                     </a:p>
                   </a:txBody>
-                  <a:tcPr marL="12700" marR="12700" marT="12700" marB="12700" anchor="ctr">
+                  <a:tcPr anchor="ctr">
                     <a:lnL w="12700">
                       <a:solidFill>
                         <a:srgbClr val="EDBD3E"/>
@@ -15070,7 +15070,7 @@
                       </a:r>
                     </a:p>
                   </a:txBody>
-                  <a:tcPr marL="12700" marR="12700" marT="12700" marB="12700" anchor="ctr">
+                  <a:tcPr anchor="ctr">
                     <a:lnL w="12700">
                       <a:solidFill>
                         <a:srgbClr val="EDBD3E"/>
@@ -15140,7 +15140,7 @@
                       </a:r>
                     </a:p>
                   </a:txBody>
-                  <a:tcPr marL="12700" marR="12700" marT="12700" marB="12700" anchor="ctr">
+                  <a:tcPr anchor="ctr">
                     <a:lnL w="12700">
                       <a:solidFill>
                         <a:srgbClr val="EDBD3E"/>
@@ -15210,7 +15210,7 @@
                       </a:r>
                     </a:p>
                   </a:txBody>
-                  <a:tcPr marL="12700" marR="12700" marT="12700" marB="12700" anchor="ctr">
+                  <a:tcPr anchor="ctr">
                     <a:lnL w="12700">
                       <a:solidFill>
                         <a:srgbClr val="EDBD3E"/>
@@ -15280,7 +15280,7 @@
                       </a:r>
                     </a:p>
                   </a:txBody>
-                  <a:tcPr marL="12700" marR="12700" marT="12700" marB="12700" anchor="ctr">
+                  <a:tcPr anchor="ctr">
                     <a:lnL w="12700">
                       <a:solidFill>
                         <a:srgbClr val="EDBD3E"/>
@@ -15350,7 +15350,7 @@
                       </a:r>
                     </a:p>
                   </a:txBody>
-                  <a:tcPr marL="12700" marR="12700" marT="12700" marB="12700" anchor="ctr">
+                  <a:tcPr anchor="ctr">
                     <a:lnL w="12700">
                       <a:solidFill>
                         <a:srgbClr val="EDBD3E"/>
@@ -15420,7 +15420,7 @@
                       </a:r>
                     </a:p>
                   </a:txBody>
-                  <a:tcPr marL="12700" marR="12700" marT="12700" marB="12700" anchor="ctr">
+                  <a:tcPr anchor="ctr">
                     <a:lnL w="12700">
                       <a:solidFill>
                         <a:srgbClr val="EDBD3E"/>
@@ -15490,7 +15490,7 @@
                       </a:r>
                     </a:p>
                   </a:txBody>
-                  <a:tcPr marL="12700" marR="12700" marT="12700" marB="12700" anchor="ctr">
+                  <a:tcPr anchor="ctr">
                     <a:lnL w="12700">
                       <a:solidFill>
                         <a:srgbClr val="EDBD3E"/>
@@ -15560,7 +15560,7 @@
                       </a:r>
                     </a:p>
                   </a:txBody>
-                  <a:tcPr marL="12700" marR="12700" marT="12700" marB="12700" anchor="ctr">
+                  <a:tcPr anchor="ctr">
                     <a:lnL w="12700">
                       <a:solidFill>
                         <a:srgbClr val="EDBD3E"/>
@@ -15630,7 +15630,7 @@
                       </a:r>
                     </a:p>
                   </a:txBody>
-                  <a:tcPr marL="12700" marR="12700" marT="12700" marB="12700" anchor="ctr">
+                  <a:tcPr anchor="ctr">
                     <a:lnL w="12700">
                       <a:solidFill>
                         <a:srgbClr val="EDBD3E"/>
@@ -15700,7 +15700,7 @@
                       </a:r>
                     </a:p>
                   </a:txBody>
-                  <a:tcPr marL="12700" marR="12700" marT="12700" marB="12700" anchor="ctr">
+                  <a:tcPr anchor="ctr">
                     <a:lnL w="12700">
                       <a:solidFill>
                         <a:srgbClr val="EDBD3E"/>
@@ -15770,7 +15770,7 @@
                       </a:r>
                     </a:p>
                   </a:txBody>
-                  <a:tcPr marL="12700" marR="12700" marT="12700" marB="12700" anchor="ctr">
+                  <a:tcPr anchor="ctr">
                     <a:lnL w="12700">
                       <a:solidFill>
                         <a:srgbClr val="EDBD3E"/>
@@ -15840,7 +15840,7 @@
                       </a:r>
                     </a:p>
                   </a:txBody>
-                  <a:tcPr marL="12700" marR="12700" marT="12700" marB="12700" anchor="ctr">
+                  <a:tcPr anchor="ctr">
                     <a:lnL w="12700">
                       <a:solidFill>
                         <a:srgbClr val="EDBD3E"/>
@@ -15912,7 +15912,7 @@
                       </a:r>
                     </a:p>
                   </a:txBody>
-                  <a:tcPr marL="12700" marR="12700" marT="12700" marB="12700" anchor="ctr">
+                  <a:tcPr anchor="ctr">
                     <a:lnL w="12700">
                       <a:solidFill>
                         <a:srgbClr val="EDBD3E"/>
@@ -15982,7 +15982,7 @@
                       </a:r>
                     </a:p>
                   </a:txBody>
-                  <a:tcPr marL="12700" marR="12700" marT="12700" marB="12700" anchor="ctr">
+                  <a:tcPr anchor="ctr">
                     <a:lnL w="12700">
                       <a:solidFill>
                         <a:srgbClr val="EDBD3E"/>
@@ -16052,7 +16052,7 @@
                       </a:r>
                     </a:p>
                   </a:txBody>
-                  <a:tcPr marL="12700" marR="12700" marT="12700" marB="12700" anchor="ctr">
+                  <a:tcPr anchor="ctr">
                     <a:lnL w="12700">
                       <a:solidFill>
                         <a:srgbClr val="EDBD3E"/>
@@ -16122,7 +16122,7 @@
                       </a:r>
                     </a:p>
                   </a:txBody>
-                  <a:tcPr marL="12700" marR="12700" marT="12700" marB="12700" anchor="ctr">
+                  <a:tcPr anchor="ctr">
                     <a:lnL w="12700">
                       <a:solidFill>
                         <a:srgbClr val="EDBD3E"/>
@@ -16192,7 +16192,7 @@
                       </a:r>
                     </a:p>
                   </a:txBody>
-                  <a:tcPr marL="12700" marR="12700" marT="12700" marB="12700" anchor="ctr">
+                  <a:tcPr anchor="ctr">
                     <a:lnL w="12700">
                       <a:solidFill>
                         <a:srgbClr val="EDBD3E"/>
@@ -16262,7 +16262,7 @@
                       </a:r>
                     </a:p>
                   </a:txBody>
-                  <a:tcPr marL="12700" marR="12700" marT="12700" marB="12700" anchor="ctr">
+                  <a:tcPr anchor="ctr">
                     <a:lnL w="12700">
                       <a:solidFill>
                         <a:srgbClr val="EDBD3E"/>
@@ -16332,7 +16332,7 @@
                       </a:r>
                     </a:p>
                   </a:txBody>
-                  <a:tcPr marL="12700" marR="12700" marT="12700" marB="12700" anchor="ctr">
+                  <a:tcPr anchor="ctr">
                     <a:lnL w="12700">
                       <a:solidFill>
                         <a:srgbClr val="EDBD3E"/>
@@ -16402,7 +16402,7 @@
                       </a:r>
                     </a:p>
                   </a:txBody>
-                  <a:tcPr marL="12700" marR="12700" marT="12700" marB="12700" anchor="ctr">
+                  <a:tcPr anchor="ctr">
                     <a:lnL w="12700">
                       <a:solidFill>
                         <a:srgbClr val="EDBD3E"/>
@@ -16472,7 +16472,7 @@
                       </a:r>
                     </a:p>
                   </a:txBody>
-                  <a:tcPr marL="12700" marR="12700" marT="12700" marB="12700" anchor="ctr">
+                  <a:tcPr anchor="ctr">
                     <a:lnL w="12700">
                       <a:solidFill>
                         <a:srgbClr val="EDBD3E"/>
@@ -16542,7 +16542,7 @@
                       </a:r>
                     </a:p>
                   </a:txBody>
-                  <a:tcPr marL="12700" marR="12700" marT="12700" marB="12700" anchor="ctr">
+                  <a:tcPr anchor="ctr">
                     <a:lnL w="12700">
                       <a:solidFill>
                         <a:srgbClr val="EDBD3E"/>
@@ -16612,7 +16612,7 @@
                       </a:r>
                     </a:p>
                   </a:txBody>
-                  <a:tcPr marL="12700" marR="12700" marT="12700" marB="12700" anchor="ctr">
+                  <a:tcPr anchor="ctr">
                     <a:lnL w="12700">
                       <a:solidFill>
                         <a:srgbClr val="EDBD3E"/>
@@ -16682,7 +16682,7 @@
                       </a:r>
                     </a:p>
                   </a:txBody>
-                  <a:tcPr marL="12700" marR="12700" marT="12700" marB="12700" anchor="ctr">
+                  <a:tcPr anchor="ctr">
                     <a:lnL w="12700">
                       <a:solidFill>
                         <a:srgbClr val="EDBD3E"/>
@@ -16754,7 +16754,7 @@
                       </a:r>
                     </a:p>
                   </a:txBody>
-                  <a:tcPr marL="12700" marR="12700" marT="12700" marB="12700" anchor="ctr">
+                  <a:tcPr anchor="ctr">
                     <a:lnL w="12700">
                       <a:solidFill>
                         <a:srgbClr val="EDBD3E"/>
@@ -16824,7 +16824,7 @@
                       </a:r>
                     </a:p>
                   </a:txBody>
-                  <a:tcPr marL="12700" marR="12700" marT="12700" marB="12700" anchor="ctr">
+                  <a:tcPr anchor="ctr">
                     <a:lnL w="12700">
                       <a:solidFill>
                         <a:srgbClr val="EDBD3E"/>
@@ -16894,7 +16894,7 @@
                       </a:r>
                     </a:p>
                   </a:txBody>
-                  <a:tcPr marL="12700" marR="12700" marT="12700" marB="12700" anchor="ctr">
+                  <a:tcPr anchor="ctr">
                     <a:lnL w="12700">
                       <a:solidFill>
                         <a:srgbClr val="EDBD3E"/>
@@ -16964,7 +16964,7 @@
                       </a:r>
                     </a:p>
                   </a:txBody>
-                  <a:tcPr marL="12700" marR="12700" marT="12700" marB="12700" anchor="ctr">
+                  <a:tcPr anchor="ctr">
                     <a:lnL w="12700">
                       <a:solidFill>
                         <a:srgbClr val="EDBD3E"/>
@@ -17034,7 +17034,7 @@
                       </a:r>
                     </a:p>
                   </a:txBody>
-                  <a:tcPr marL="12700" marR="12700" marT="12700" marB="12700" anchor="ctr">
+                  <a:tcPr anchor="ctr">
                     <a:lnL w="12700">
                       <a:solidFill>
                         <a:srgbClr val="EDBD3E"/>
@@ -17104,7 +17104,7 @@
                       </a:r>
                     </a:p>
                   </a:txBody>
-                  <a:tcPr marL="12700" marR="12700" marT="12700" marB="12700" anchor="ctr">
+                  <a:tcPr anchor="ctr">
                     <a:lnL w="12700">
                       <a:solidFill>
                         <a:srgbClr val="EDBD3E"/>
@@ -17174,7 +17174,7 @@
                       </a:r>
                     </a:p>
                   </a:txBody>
-                  <a:tcPr marL="12700" marR="12700" marT="12700" marB="12700" anchor="ctr">
+                  <a:tcPr anchor="ctr">
                     <a:lnL w="12700">
                       <a:solidFill>
                         <a:srgbClr val="EDBD3E"/>
@@ -17244,7 +17244,7 @@
                       </a:r>
                     </a:p>
                   </a:txBody>
-                  <a:tcPr marL="12700" marR="12700" marT="12700" marB="12700" anchor="ctr">
+                  <a:tcPr anchor="ctr">
                     <a:lnL w="12700">
                       <a:solidFill>
                         <a:srgbClr val="EDBD3E"/>
@@ -17314,7 +17314,7 @@
                       </a:r>
                     </a:p>
                   </a:txBody>
-                  <a:tcPr marL="12700" marR="12700" marT="12700" marB="12700" anchor="ctr">
+                  <a:tcPr anchor="ctr">
                     <a:lnL w="12700">
                       <a:solidFill>
                         <a:srgbClr val="EDBD3E"/>
@@ -17384,7 +17384,7 @@
                       </a:r>
                     </a:p>
                   </a:txBody>
-                  <a:tcPr marL="12700" marR="12700" marT="12700" marB="12700" anchor="ctr">
+                  <a:tcPr anchor="ctr">
                     <a:lnL w="12700">
                       <a:solidFill>
                         <a:srgbClr val="EDBD3E"/>
@@ -17454,7 +17454,7 @@
                       </a:r>
                     </a:p>
                   </a:txBody>
-                  <a:tcPr marL="12700" marR="12700" marT="12700" marB="12700" anchor="ctr">
+                  <a:tcPr anchor="ctr">
                     <a:lnL w="12700">
                       <a:solidFill>
                         <a:srgbClr val="EDBD3E"/>
@@ -17524,7 +17524,7 @@
                       </a:r>
                     </a:p>
                   </a:txBody>
-                  <a:tcPr marL="12700" marR="12700" marT="12700" marB="12700" anchor="ctr">
+                  <a:tcPr anchor="ctr">
                     <a:lnL w="12700">
                       <a:solidFill>
                         <a:srgbClr val="EDBD3E"/>
@@ -17596,7 +17596,7 @@
                       </a:r>
                     </a:p>
                   </a:txBody>
-                  <a:tcPr marL="12700" marR="12700" marT="12700" marB="12700" anchor="ctr">
+                  <a:tcPr anchor="ctr">
                     <a:lnL w="12700">
                       <a:solidFill>
                         <a:srgbClr val="EDBD3E"/>
@@ -17666,7 +17666,7 @@
                       </a:r>
                     </a:p>
                   </a:txBody>
-                  <a:tcPr marL="12700" marR="12700" marT="12700" marB="12700" anchor="ctr">
+                  <a:tcPr anchor="ctr">
                     <a:lnL w="12700">
                       <a:solidFill>
                         <a:srgbClr val="EDBD3E"/>
@@ -17736,7 +17736,7 @@
                       </a:r>
                     </a:p>
                   </a:txBody>
-                  <a:tcPr marL="12700" marR="12700" marT="12700" marB="12700" anchor="ctr">
+                  <a:tcPr anchor="ctr">
                     <a:lnL w="12700">
                       <a:solidFill>
                         <a:srgbClr val="EDBD3E"/>
@@ -17806,7 +17806,7 @@
                       </a:r>
                     </a:p>
                   </a:txBody>
-                  <a:tcPr marL="12700" marR="12700" marT="12700" marB="12700" anchor="ctr">
+                  <a:tcPr anchor="ctr">
                     <a:lnL w="12700">
                       <a:solidFill>
                         <a:srgbClr val="EDBD3E"/>
@@ -17876,7 +17876,7 @@
                       </a:r>
                     </a:p>
                   </a:txBody>
-                  <a:tcPr marL="12700" marR="12700" marT="12700" marB="12700" anchor="ctr">
+                  <a:tcPr anchor="ctr">
                     <a:lnL w="12700">
                       <a:solidFill>
                         <a:srgbClr val="EDBD3E"/>
@@ -17946,7 +17946,7 @@
                       </a:r>
                     </a:p>
                   </a:txBody>
-                  <a:tcPr marL="12700" marR="12700" marT="12700" marB="12700" anchor="ctr">
+                  <a:tcPr anchor="ctr">
                     <a:lnL w="12700">
                       <a:solidFill>
                         <a:srgbClr val="EDBD3E"/>
@@ -18016,7 +18016,7 @@
                       </a:r>
                     </a:p>
                   </a:txBody>
-                  <a:tcPr marL="12700" marR="12700" marT="12700" marB="12700" anchor="ctr">
+                  <a:tcPr anchor="ctr">
                     <a:lnL w="12700">
                       <a:solidFill>
                         <a:srgbClr val="EDBD3E"/>
@@ -18086,7 +18086,7 @@
                       </a:r>
                     </a:p>
                   </a:txBody>
-                  <a:tcPr marL="12700" marR="12700" marT="12700" marB="12700" anchor="ctr">
+                  <a:tcPr anchor="ctr">
                     <a:lnL w="12700">
                       <a:solidFill>
                         <a:srgbClr val="EDBD3E"/>
@@ -18156,7 +18156,7 @@
                       </a:r>
                     </a:p>
                   </a:txBody>
-                  <a:tcPr marL="12700" marR="12700" marT="12700" marB="12700" anchor="ctr">
+                  <a:tcPr anchor="ctr">
                     <a:lnL w="12700">
                       <a:solidFill>
                         <a:srgbClr val="EDBD3E"/>
@@ -18226,7 +18226,7 @@
                       </a:r>
                     </a:p>
                   </a:txBody>
-                  <a:tcPr marL="12700" marR="12700" marT="12700" marB="12700" anchor="ctr">
+                  <a:tcPr anchor="ctr">
                     <a:lnL w="12700">
                       <a:solidFill>
                         <a:srgbClr val="EDBD3E"/>
@@ -18296,7 +18296,7 @@
                       </a:r>
                     </a:p>
                   </a:txBody>
-                  <a:tcPr marL="12700" marR="12700" marT="12700" marB="12700" anchor="ctr">
+                  <a:tcPr anchor="ctr">
                     <a:lnL w="12700">
                       <a:solidFill>
                         <a:srgbClr val="EDBD3E"/>
@@ -18366,7 +18366,7 @@
                       </a:r>
                     </a:p>
                   </a:txBody>
-                  <a:tcPr marL="12700" marR="12700" marT="12700" marB="12700" anchor="ctr">
+                  <a:tcPr anchor="ctr">
                     <a:lnL w="12700">
                       <a:solidFill>
                         <a:srgbClr val="EDBD3E"/>
@@ -18438,7 +18438,7 @@
                       </a:r>
                     </a:p>
                   </a:txBody>
-                  <a:tcPr marL="12700" marR="12700" marT="12700" marB="12700" anchor="ctr">
+                  <a:tcPr anchor="ctr">
                     <a:lnL w="12700">
                       <a:solidFill>
                         <a:srgbClr val="EDBD3E"/>
@@ -18508,7 +18508,7 @@
                       </a:r>
                     </a:p>
                   </a:txBody>
-                  <a:tcPr marL="12700" marR="12700" marT="12700" marB="12700" anchor="ctr">
+                  <a:tcPr anchor="ctr">
                     <a:lnL w="12700">
                       <a:solidFill>
                         <a:srgbClr val="EDBD3E"/>
@@ -18578,7 +18578,7 @@
                       </a:r>
                     </a:p>
                   </a:txBody>
-                  <a:tcPr marL="12700" marR="12700" marT="12700" marB="12700" anchor="ctr">
+                  <a:tcPr anchor="ctr">
                     <a:lnL w="12700">
                       <a:solidFill>
                         <a:srgbClr val="EDBD3E"/>
@@ -18648,7 +18648,7 @@
                       </a:r>
                     </a:p>
                   </a:txBody>
-                  <a:tcPr marL="12700" marR="12700" marT="12700" marB="12700" anchor="ctr">
+                  <a:tcPr anchor="ctr">
                     <a:lnL w="12700">
                       <a:solidFill>
                         <a:srgbClr val="EDBD3E"/>
@@ -18718,7 +18718,7 @@
                       </a:r>
                     </a:p>
                   </a:txBody>
-                  <a:tcPr marL="12700" marR="12700" marT="12700" marB="12700" anchor="ctr">
+                  <a:tcPr anchor="ctr">
                     <a:lnL w="12700">
                       <a:solidFill>
                         <a:srgbClr val="EDBD3E"/>
@@ -18788,7 +18788,7 @@
                       </a:r>
                     </a:p>
                   </a:txBody>
-                  <a:tcPr marL="12700" marR="12700" marT="12700" marB="12700" anchor="ctr">
+                  <a:tcPr anchor="ctr">
                     <a:lnL w="12700">
                       <a:solidFill>
                         <a:srgbClr val="EDBD3E"/>
@@ -18858,7 +18858,7 @@
                       </a:r>
                     </a:p>
                   </a:txBody>
-                  <a:tcPr marL="12700" marR="12700" marT="12700" marB="12700" anchor="ctr">
+                  <a:tcPr anchor="ctr">
                     <a:lnL w="12700">
                       <a:solidFill>
                         <a:srgbClr val="EDBD3E"/>
@@ -18928,7 +18928,7 @@
                       </a:r>
                     </a:p>
                   </a:txBody>
-                  <a:tcPr marL="12700" marR="12700" marT="12700" marB="12700" anchor="ctr">
+                  <a:tcPr anchor="ctr">
                     <a:lnL w="12700">
                       <a:solidFill>
                         <a:srgbClr val="EDBD3E"/>
@@ -18998,7 +18998,7 @@
                       </a:r>
                     </a:p>
                   </a:txBody>
-                  <a:tcPr marL="12700" marR="12700" marT="12700" marB="12700" anchor="ctr">
+                  <a:tcPr anchor="ctr">
                     <a:lnL w="12700">
                       <a:solidFill>
                         <a:srgbClr val="EDBD3E"/>
@@ -19068,7 +19068,7 @@
                       </a:r>
                     </a:p>
                   </a:txBody>
-                  <a:tcPr marL="12700" marR="12700" marT="12700" marB="12700" anchor="ctr">
+                  <a:tcPr anchor="ctr">
                     <a:lnL w="12700">
                       <a:solidFill>
                         <a:srgbClr val="EDBD3E"/>
@@ -19138,7 +19138,7 @@
                       </a:r>
                     </a:p>
                   </a:txBody>
-                  <a:tcPr marL="12700" marR="12700" marT="12700" marB="12700" anchor="ctr">
+                  <a:tcPr anchor="ctr">
                     <a:lnL w="12700">
                       <a:solidFill>
                         <a:srgbClr val="EDBD3E"/>
@@ -19208,7 +19208,7 @@
                       </a:r>
                     </a:p>
                   </a:txBody>
-                  <a:tcPr marL="12700" marR="12700" marT="12700" marB="12700" anchor="ctr">
+                  <a:tcPr anchor="ctr">
                     <a:lnL w="12700">
                       <a:solidFill>
                         <a:srgbClr val="EDBD3E"/>
@@ -19280,7 +19280,7 @@
                       </a:r>
                     </a:p>
                   </a:txBody>
-                  <a:tcPr marL="12700" marR="12700" marT="12700" marB="12700" anchor="ctr">
+                  <a:tcPr anchor="ctr">
                     <a:lnL w="12700">
                       <a:solidFill>
                         <a:srgbClr val="EDBD3E"/>
@@ -19350,7 +19350,7 @@
                       </a:r>
                     </a:p>
                   </a:txBody>
-                  <a:tcPr marL="12700" marR="12700" marT="12700" marB="12700" anchor="ctr">
+                  <a:tcPr anchor="ctr">
                     <a:lnL w="12700">
                       <a:solidFill>
                         <a:srgbClr val="EDBD3E"/>
@@ -19420,7 +19420,7 @@
                       </a:r>
                     </a:p>
                   </a:txBody>
-                  <a:tcPr marL="12700" marR="12700" marT="12700" marB="12700" anchor="ctr">
+                  <a:tcPr anchor="ctr">
                     <a:lnL w="12700">
                       <a:solidFill>
                         <a:srgbClr val="EDBD3E"/>
@@ -19490,7 +19490,7 @@
                       </a:r>
                     </a:p>
                   </a:txBody>
-                  <a:tcPr marL="12700" marR="12700" marT="12700" marB="12700" anchor="ctr">
+                  <a:tcPr anchor="ctr">
                     <a:lnL w="12700">
                       <a:solidFill>
                         <a:srgbClr val="EDBD3E"/>
@@ -19560,7 +19560,7 @@
                       </a:r>
                     </a:p>
                   </a:txBody>
-                  <a:tcPr marL="12700" marR="12700" marT="12700" marB="12700" anchor="ctr">
+                  <a:tcPr anchor="ctr">
                     <a:lnL w="12700">
                       <a:solidFill>
                         <a:srgbClr val="EDBD3E"/>
@@ -19630,7 +19630,7 @@
                       </a:r>
                     </a:p>
                   </a:txBody>
-                  <a:tcPr marL="12700" marR="12700" marT="12700" marB="12700" anchor="ctr">
+                  <a:tcPr anchor="ctr">
                     <a:lnL w="12700">
                       <a:solidFill>
                         <a:srgbClr val="EDBD3E"/>
@@ -19700,7 +19700,7 @@
                       </a:r>
                     </a:p>
                   </a:txBody>
-                  <a:tcPr marL="12700" marR="12700" marT="12700" marB="12700" anchor="ctr">
+                  <a:tcPr anchor="ctr">
                     <a:lnL w="12700">
                       <a:solidFill>
                         <a:srgbClr val="EDBD3E"/>
@@ -19770,7 +19770,7 @@
                       </a:r>
                     </a:p>
                   </a:txBody>
-                  <a:tcPr marL="12700" marR="12700" marT="12700" marB="12700" anchor="ctr">
+                  <a:tcPr anchor="ctr">
                     <a:lnL w="12700">
                       <a:solidFill>
                         <a:srgbClr val="EDBD3E"/>
@@ -19840,7 +19840,7 @@
                       </a:r>
                     </a:p>
                   </a:txBody>
-                  <a:tcPr marL="12700" marR="12700" marT="12700" marB="12700" anchor="ctr">
+                  <a:tcPr anchor="ctr">
                     <a:lnL w="12700">
                       <a:solidFill>
                         <a:srgbClr val="EDBD3E"/>
@@ -19910,7 +19910,7 @@
                       </a:r>
                     </a:p>
                   </a:txBody>
-                  <a:tcPr marL="12700" marR="12700" marT="12700" marB="12700" anchor="ctr">
+                  <a:tcPr anchor="ctr">
                     <a:lnL w="12700">
                       <a:solidFill>
                         <a:srgbClr val="EDBD3E"/>
@@ -19980,7 +19980,7 @@
                       </a:r>
                     </a:p>
                   </a:txBody>
-                  <a:tcPr marL="12700" marR="12700" marT="12700" marB="12700" anchor="ctr">
+                  <a:tcPr anchor="ctr">
                     <a:lnL w="12700">
                       <a:solidFill>
                         <a:srgbClr val="EDBD3E"/>
@@ -20050,7 +20050,7 @@
                       </a:r>
                     </a:p>
                   </a:txBody>
-                  <a:tcPr marL="12700" marR="12700" marT="12700" marB="12700" anchor="ctr">
+                  <a:tcPr anchor="ctr">
                     <a:lnL w="12700">
                       <a:solidFill>
                         <a:srgbClr val="EDBD3E"/>
@@ -20122,7 +20122,7 @@
                       </a:r>
                     </a:p>
                   </a:txBody>
-                  <a:tcPr marL="12700" marR="12700" marT="12700" marB="12700" anchor="ctr">
+                  <a:tcPr anchor="ctr">
                     <a:lnL w="12700">
                       <a:solidFill>
                         <a:srgbClr val="EDBD3E"/>
@@ -20192,7 +20192,7 @@
                       </a:r>
                     </a:p>
                   </a:txBody>
-                  <a:tcPr marL="12700" marR="12700" marT="12700" marB="12700" anchor="ctr">
+                  <a:tcPr anchor="ctr">
                     <a:lnL w="12700">
                       <a:solidFill>
                         <a:srgbClr val="EDBD3E"/>
@@ -20262,7 +20262,7 @@
                       </a:r>
                     </a:p>
                   </a:txBody>
-                  <a:tcPr marL="12700" marR="12700" marT="12700" marB="12700" anchor="ctr">
+                  <a:tcPr anchor="ctr">
                     <a:lnL w="12700">
                       <a:solidFill>
                         <a:srgbClr val="EDBD3E"/>
@@ -20332,7 +20332,7 @@
                       </a:r>
                     </a:p>
                   </a:txBody>
-                  <a:tcPr marL="12700" marR="12700" marT="12700" marB="12700" anchor="ctr">
+                  <a:tcPr anchor="ctr">
                     <a:lnL w="12700">
                       <a:solidFill>
                         <a:srgbClr val="EDBD3E"/>
@@ -20402,7 +20402,7 @@
                       </a:r>
                     </a:p>
                   </a:txBody>
-                  <a:tcPr marL="12700" marR="12700" marT="12700" marB="12700" anchor="ctr">
+                  <a:tcPr anchor="ctr">
                     <a:lnL w="12700">
                       <a:solidFill>
                         <a:srgbClr val="EDBD3E"/>
@@ -20472,7 +20472,7 @@
                       </a:r>
                     </a:p>
                   </a:txBody>
-                  <a:tcPr marL="12700" marR="12700" marT="12700" marB="12700" anchor="ctr">
+                  <a:tcPr anchor="ctr">
                     <a:lnL w="12700">
                       <a:solidFill>
                         <a:srgbClr val="EDBD3E"/>
@@ -20542,7 +20542,7 @@
                       </a:r>
                     </a:p>
                   </a:txBody>
-                  <a:tcPr marL="12700" marR="12700" marT="12700" marB="12700" anchor="ctr">
+                  <a:tcPr anchor="ctr">
                     <a:lnL w="12700">
                       <a:solidFill>
                         <a:srgbClr val="EDBD3E"/>
@@ -20612,7 +20612,7 @@
                       </a:r>
                     </a:p>
                   </a:txBody>
-                  <a:tcPr marL="12700" marR="12700" marT="12700" marB="12700" anchor="ctr">
+                  <a:tcPr anchor="ctr">
                     <a:lnL w="12700">
                       <a:solidFill>
                         <a:srgbClr val="EDBD3E"/>
@@ -20682,7 +20682,7 @@
                       </a:r>
                     </a:p>
                   </a:txBody>
-                  <a:tcPr marL="12700" marR="12700" marT="12700" marB="12700" anchor="ctr">
+                  <a:tcPr anchor="ctr">
                     <a:lnL w="12700">
                       <a:solidFill>
                         <a:srgbClr val="EDBD3E"/>
@@ -20752,7 +20752,7 @@
                       </a:r>
                     </a:p>
                   </a:txBody>
-                  <a:tcPr marL="12700" marR="12700" marT="12700" marB="12700" anchor="ctr">
+                  <a:tcPr anchor="ctr">
                     <a:lnL w="12700">
                       <a:solidFill>
                         <a:srgbClr val="EDBD3E"/>
@@ -20822,7 +20822,7 @@
                       </a:r>
                     </a:p>
                   </a:txBody>
-                  <a:tcPr marL="12700" marR="12700" marT="12700" marB="12700" anchor="ctr">
+                  <a:tcPr anchor="ctr">
                     <a:lnL w="12700">
                       <a:solidFill>
                         <a:srgbClr val="EDBD3E"/>
@@ -20892,7 +20892,7 @@
                       </a:r>
                     </a:p>
                   </a:txBody>
-                  <a:tcPr marL="12700" marR="12700" marT="12700" marB="12700" anchor="ctr">
+                  <a:tcPr anchor="ctr">
                     <a:lnL w="12700">
                       <a:solidFill>
                         <a:srgbClr val="EDBD3E"/>
@@ -20964,7 +20964,7 @@
                       </a:r>
                     </a:p>
                   </a:txBody>
-                  <a:tcPr marL="12700" marR="12700" marT="12700" marB="12700" anchor="ctr">
+                  <a:tcPr anchor="ctr">
                     <a:lnL w="12700">
                       <a:solidFill>
                         <a:srgbClr val="EDBD3E"/>
@@ -21034,7 +21034,7 @@
                       </a:r>
                     </a:p>
                   </a:txBody>
-                  <a:tcPr marL="12700" marR="12700" marT="12700" marB="12700" anchor="ctr">
+                  <a:tcPr anchor="ctr">
                     <a:lnL w="12700">
                       <a:solidFill>
                         <a:srgbClr val="EDBD3E"/>
@@ -21104,7 +21104,7 @@
                       </a:r>
                     </a:p>
                   </a:txBody>
-                  <a:tcPr marL="12700" marR="12700" marT="12700" marB="12700" anchor="ctr">
+                  <a:tcPr anchor="ctr">
                     <a:lnL w="12700">
                       <a:solidFill>
                         <a:srgbClr val="EDBD3E"/>
@@ -21174,7 +21174,7 @@
                       </a:r>
                     </a:p>
                   </a:txBody>
-                  <a:tcPr marL="12700" marR="12700" marT="12700" marB="12700" anchor="ctr">
+                  <a:tcPr anchor="ctr">
                     <a:lnL w="12700">
                       <a:solidFill>
                         <a:srgbClr val="EDBD3E"/>
@@ -21244,7 +21244,7 @@
                       </a:r>
                     </a:p>
                   </a:txBody>
-                  <a:tcPr marL="12700" marR="12700" marT="12700" marB="12700" anchor="ctr">
+                  <a:tcPr anchor="ctr">
                     <a:lnL w="12700">
                       <a:solidFill>
                         <a:srgbClr val="EDBD3E"/>
@@ -21314,7 +21314,7 @@
                       </a:r>
                     </a:p>
                   </a:txBody>
-                  <a:tcPr marL="12700" marR="12700" marT="12700" marB="12700" anchor="ctr">
+                  <a:tcPr anchor="ctr">
                     <a:lnL w="12700">
                       <a:solidFill>
                         <a:srgbClr val="EDBD3E"/>
@@ -21384,7 +21384,7 @@
                       </a:r>
                     </a:p>
                   </a:txBody>
-                  <a:tcPr marL="12700" marR="12700" marT="12700" marB="12700" anchor="ctr">
+                  <a:tcPr anchor="ctr">
                     <a:lnL w="12700">
                       <a:solidFill>
                         <a:srgbClr val="EDBD3E"/>
@@ -21454,7 +21454,7 @@
                       </a:r>
                     </a:p>
                   </a:txBody>
-                  <a:tcPr marL="12700" marR="12700" marT="12700" marB="12700" anchor="ctr">
+                  <a:tcPr anchor="ctr">
                     <a:lnL w="12700">
                       <a:solidFill>
                         <a:srgbClr val="EDBD3E"/>
@@ -21524,7 +21524,7 @@
                       </a:r>
                     </a:p>
                   </a:txBody>
-                  <a:tcPr marL="12700" marR="12700" marT="12700" marB="12700" anchor="ctr">
+                  <a:tcPr anchor="ctr">
                     <a:lnL w="12700">
                       <a:solidFill>
                         <a:srgbClr val="EDBD3E"/>
@@ -21594,7 +21594,7 @@
                       </a:r>
                     </a:p>
                   </a:txBody>
-                  <a:tcPr marL="12700" marR="12700" marT="12700" marB="12700" anchor="ctr">
+                  <a:tcPr anchor="ctr">
                     <a:lnL w="12700">
                       <a:solidFill>
                         <a:srgbClr val="EDBD3E"/>
@@ -21664,7 +21664,7 @@
                       </a:r>
                     </a:p>
                   </a:txBody>
-                  <a:tcPr marL="12700" marR="12700" marT="12700" marB="12700" anchor="ctr">
+                  <a:tcPr anchor="ctr">
                     <a:lnL w="12700">
                       <a:solidFill>
                         <a:srgbClr val="EDBD3E"/>
@@ -21734,7 +21734,7 @@
                       </a:r>
                     </a:p>
                   </a:txBody>
-                  <a:tcPr marL="12700" marR="12700" marT="12700" marB="12700" anchor="ctr">
+                  <a:tcPr anchor="ctr">
                     <a:lnL w="12700">
                       <a:solidFill>
                         <a:srgbClr val="EDBD3E"/>
@@ -21806,7 +21806,7 @@
                       </a:r>
                     </a:p>
                   </a:txBody>
-                  <a:tcPr marL="12700" marR="12700" marT="12700" marB="12700" anchor="ctr">
+                  <a:tcPr anchor="ctr">
                     <a:lnL w="12700">
                       <a:solidFill>
                         <a:srgbClr val="EDBD3E"/>
@@ -21875,7 +21875,7 @@
                       </a:r>
                     </a:p>
                   </a:txBody>
-                  <a:tcPr marL="12700" marR="12700" marT="12700" marB="12700" anchor="ctr">
+                  <a:tcPr anchor="ctr">
                     <a:lnL w="12700">
                       <a:solidFill>
                         <a:srgbClr val="EDBD3E"/>
@@ -21944,7 +21944,7 @@
                       </a:r>
                     </a:p>
                   </a:txBody>
-                  <a:tcPr marL="12700" marR="12700" marT="12700" marB="12700" anchor="ctr">
+                  <a:tcPr anchor="ctr">
                     <a:lnL w="12700">
                       <a:solidFill>
                         <a:srgbClr val="EDBD3E"/>
@@ -22013,7 +22013,7 @@
                       </a:r>
                     </a:p>
                   </a:txBody>
-                  <a:tcPr marL="12700" marR="12700" marT="12700" marB="12700" anchor="ctr">
+                  <a:tcPr anchor="ctr">
                     <a:lnL w="12700">
                       <a:solidFill>
                         <a:srgbClr val="EDBD3E"/>
@@ -22082,7 +22082,7 @@
                       </a:r>
                     </a:p>
                   </a:txBody>
-                  <a:tcPr marL="12700" marR="12700" marT="12700" marB="12700" anchor="ctr">
+                  <a:tcPr anchor="ctr">
                     <a:lnL w="12700">
                       <a:solidFill>
                         <a:srgbClr val="EDBD3E"/>
@@ -22151,7 +22151,7 @@
                       </a:r>
                     </a:p>
                   </a:txBody>
-                  <a:tcPr marL="12700" marR="12700" marT="12700" marB="12700" anchor="ctr">
+                  <a:tcPr anchor="ctr">
                     <a:lnL w="12700">
                       <a:solidFill>
                         <a:srgbClr val="EDBD3E"/>
@@ -22220,7 +22220,7 @@
                       </a:r>
                     </a:p>
                   </a:txBody>
-                  <a:tcPr marL="12700" marR="12700" marT="12700" marB="12700" anchor="ctr">
+                  <a:tcPr anchor="ctr">
                     <a:lnL w="12700">
                       <a:solidFill>
                         <a:srgbClr val="EDBD3E"/>
@@ -22289,7 +22289,7 @@
                       </a:r>
                     </a:p>
                   </a:txBody>
-                  <a:tcPr marL="12700" marR="12700" marT="12700" marB="12700" anchor="ctr">
+                  <a:tcPr anchor="ctr">
                     <a:lnL w="12700">
                       <a:solidFill>
                         <a:srgbClr val="EDBD3E"/>
@@ -22358,7 +22358,7 @@
                       </a:r>
                     </a:p>
                   </a:txBody>
-                  <a:tcPr marL="12700" marR="12700" marT="12700" marB="12700" anchor="ctr">
+                  <a:tcPr anchor="ctr">
                     <a:lnL w="12700">
                       <a:solidFill>
                         <a:srgbClr val="EDBD3E"/>
@@ -22427,7 +22427,7 @@
                       </a:r>
                     </a:p>
                   </a:txBody>
-                  <a:tcPr marL="12700" marR="12700" marT="12700" marB="12700" anchor="ctr">
+                  <a:tcPr anchor="ctr">
                     <a:lnL w="12700">
                       <a:solidFill>
                         <a:srgbClr val="EDBD3E"/>
@@ -22496,7 +22496,7 @@
                       </a:r>
                     </a:p>
                   </a:txBody>
-                  <a:tcPr marL="12700" marR="12700" marT="12700" marB="12700" anchor="ctr">
+                  <a:tcPr anchor="ctr">
                     <a:lnL w="12700">
                       <a:solidFill>
                         <a:srgbClr val="EDBD3E"/>
@@ -22565,7 +22565,7 @@
                       </a:r>
                     </a:p>
                   </a:txBody>
-                  <a:tcPr marL="12700" marR="12700" marT="12700" marB="12700" anchor="ctr">
+                  <a:tcPr anchor="ctr">
                     <a:lnL w="12700">
                       <a:solidFill>
                         <a:srgbClr val="EDBD3E"/>

--- a/examples/pp_long_demo.pptx
+++ b/examples/pp_long_demo.pptx
@@ -5,10 +5,10 @@
     <p:sldMasterId r:id="rId1" id="2147483648"/>
   </p:sldMasterIdLst>
   <p:sldIdLst>
-    <p:sldId r:id="rId6" id="1858260767"/>
-    <p:sldId r:id="rId7" id="893906026"/>
-    <p:sldId r:id="rId8" id="1881907765"/>
-    <p:sldId r:id="rId9" id="1975709728"/>
+    <p:sldId r:id="rId6" id="1056627263"/>
+    <p:sldId r:id="rId7" id="1671675852"/>
+    <p:sldId r:id="rId8" id="1214329346"/>
+    <p:sldId r:id="rId9" id="1329838136"/>
   </p:sldIdLst>
   <p:sldSz cy="6858000" cx="12192000"/>
   <p:notesSz cy="9144000" cx="6858000"/>

--- a/examples/pp_long_demo.pptx
+++ b/examples/pp_long_demo.pptx
@@ -5,10 +5,10 @@
     <p:sldMasterId r:id="rId1" id="2147483648"/>
   </p:sldMasterIdLst>
   <p:sldIdLst>
-    <p:sldId r:id="rId6" id="1056627263"/>
-    <p:sldId r:id="rId7" id="1671675852"/>
-    <p:sldId r:id="rId8" id="1214329346"/>
-    <p:sldId r:id="rId9" id="1329838136"/>
+    <p:sldId r:id="rId6" id="1532005740"/>
+    <p:sldId r:id="rId7" id="659957531"/>
+    <p:sldId r:id="rId8" id="1016791964"/>
+    <p:sldId r:id="rId9" id="1531804974"/>
   </p:sldIdLst>
   <p:sldSz cy="6858000" cx="12192000"/>
   <p:notesSz cy="9144000" cx="6858000"/>
